--- a/славок/презентация.pptx
+++ b/славок/презентация.pptx
@@ -20,6 +20,7 @@
     <p:sldId id="268" r:id="rId14"/>
     <p:sldId id="269" r:id="rId15"/>
     <p:sldId id="270" r:id="rId16"/>
+    <p:sldId id="271" r:id="rId17"/>
   </p:sldIdLst>
   <p:sldSz cx="12192000" cy="6858000"/>
   <p:notesSz cx="6858000" cy="9144000"/>
@@ -6566,15 +6567,20 @@
         </p:nvSpPr>
         <p:spPr>
           <a:xfrm>
-            <a:off x="6781800" y="482600"/>
-            <a:ext cx="2492202" cy="1447800"/>
+            <a:off x="6231988" y="482600"/>
+            <a:ext cx="3042014" cy="1447800"/>
           </a:xfrm>
         </p:spPr>
         <p:txBody>
-          <a:bodyPr/>
-          <a:lstStyle/>
-          <a:p>
-            <a:endParaRPr lang="ru-RU"/>
+          <a:bodyPr>
+            <a:normAutofit/>
+          </a:bodyPr>
+          <a:lstStyle/>
+          <a:p>
+            <a:r>
+              <a:rPr lang="ru-RU" dirty="0"/>
+              <a:t>Контрольные примеры</a:t>
+            </a:r>
           </a:p>
         </p:txBody>
       </p:sp>
@@ -6612,10 +6618,189 @@
           </a:prstGeom>
         </p:spPr>
       </p:pic>
+      <p:sp>
+        <p:nvSpPr>
+          <p:cNvPr id="5" name="TextBox 4">
+            <a:extLst>
+              <a:ext uri="{FF2B5EF4-FFF2-40B4-BE49-F238E27FC236}">
+                <a16:creationId xmlns:a16="http://schemas.microsoft.com/office/drawing/2014/main" id="{BAD84248-2054-48EF-A257-A216BD18EC9D}"/>
+              </a:ext>
+            </a:extLst>
+          </p:cNvPr>
+          <p:cNvSpPr txBox="1"/>
+          <p:nvPr/>
+        </p:nvSpPr>
+        <p:spPr>
+          <a:xfrm>
+            <a:off x="407963" y="3909033"/>
+            <a:ext cx="2222695" cy="369332"/>
+          </a:xfrm>
+          <a:prstGeom prst="rect">
+            <a:avLst/>
+          </a:prstGeom>
+          <a:noFill/>
+        </p:spPr>
+        <p:txBody>
+          <a:bodyPr wrap="square">
+            <a:spAutoFit/>
+          </a:bodyPr>
+          <a:lstStyle/>
+          <a:p>
+            <a:r>
+              <a:rPr lang="ru-RU" sz="1800" dirty="0">
+                <a:effectLst/>
+                <a:latin typeface="Times New Roman" panose="02020603050405020304" pitchFamily="18" charset="0"/>
+                <a:ea typeface="Calibri" panose="020F0502020204030204" pitchFamily="34" charset="0"/>
+              </a:rPr>
+              <a:t>Объект диапазона</a:t>
+            </a:r>
+            <a:endParaRPr lang="ru-RU" dirty="0"/>
+          </a:p>
+        </p:txBody>
+      </p:sp>
+      <p:pic>
+        <p:nvPicPr>
+          <p:cNvPr id="6" name="Рисунок 5">
+            <a:extLst>
+              <a:ext uri="{FF2B5EF4-FFF2-40B4-BE49-F238E27FC236}">
+                <a16:creationId xmlns:a16="http://schemas.microsoft.com/office/drawing/2014/main" id="{0FED37D2-6189-482B-94B0-721C8F881405}"/>
+              </a:ext>
+            </a:extLst>
+          </p:cNvPr>
+          <p:cNvPicPr/>
+          <p:nvPr/>
+        </p:nvPicPr>
+        <p:blipFill>
+          <a:blip r:embed="rId3" cstate="print">
+            <a:extLst>
+              <a:ext uri="{28A0092B-C50C-407E-A947-70E740481C1C}">
+                <a14:useLocalDpi xmlns:a14="http://schemas.microsoft.com/office/drawing/2010/main" val="0"/>
+              </a:ext>
+            </a:extLst>
+          </a:blip>
+          <a:stretch>
+            <a:fillRect/>
+          </a:stretch>
+        </p:blipFill>
+        <p:spPr>
+          <a:xfrm>
+            <a:off x="3234372" y="1867217"/>
+            <a:ext cx="5723255" cy="3123565"/>
+          </a:xfrm>
+          <a:prstGeom prst="rect">
+            <a:avLst/>
+          </a:prstGeom>
+        </p:spPr>
+      </p:pic>
+      <p:sp>
+        <p:nvSpPr>
+          <p:cNvPr id="8" name="TextBox 7">
+            <a:extLst>
+              <a:ext uri="{FF2B5EF4-FFF2-40B4-BE49-F238E27FC236}">
+                <a16:creationId xmlns:a16="http://schemas.microsoft.com/office/drawing/2014/main" id="{DCAACA48-EA7C-49F6-ADA3-BD084DB04C52}"/>
+              </a:ext>
+            </a:extLst>
+          </p:cNvPr>
+          <p:cNvSpPr txBox="1"/>
+          <p:nvPr/>
+        </p:nvSpPr>
+        <p:spPr>
+          <a:xfrm>
+            <a:off x="3854548" y="5175124"/>
+            <a:ext cx="4009292" cy="369332"/>
+          </a:xfrm>
+          <a:prstGeom prst="rect">
+            <a:avLst/>
+          </a:prstGeom>
+          <a:noFill/>
+        </p:spPr>
+        <p:txBody>
+          <a:bodyPr wrap="square">
+            <a:spAutoFit/>
+          </a:bodyPr>
+          <a:lstStyle/>
+          <a:p>
+            <a:r>
+              <a:rPr lang="ru-RU" sz="1800" dirty="0">
+                <a:effectLst/>
+                <a:latin typeface="Times New Roman" panose="02020603050405020304" pitchFamily="18" charset="0"/>
+                <a:ea typeface="Calibri" panose="020F0502020204030204" pitchFamily="34" charset="0"/>
+              </a:rPr>
+              <a:t>Пример проиндексированных данных</a:t>
+            </a:r>
+            <a:endParaRPr lang="ru-RU" dirty="0"/>
+          </a:p>
+        </p:txBody>
+      </p:sp>
     </p:spTree>
     <p:extLst>
       <p:ext uri="{BB962C8B-B14F-4D97-AF65-F5344CB8AC3E}">
         <p14:creationId xmlns:p14="http://schemas.microsoft.com/office/powerpoint/2010/main" val="4209079005"/>
+      </p:ext>
+    </p:extLst>
+  </p:cSld>
+  <p:clrMapOvr>
+    <a:masterClrMapping/>
+  </p:clrMapOvr>
+</p:sld>
+</file>
+
+<file path=ppt/slides/slide16.xml><?xml version="1.0" encoding="utf-8"?>
+<p:sld xmlns:a="http://schemas.openxmlformats.org/drawingml/2006/main" xmlns:r="http://schemas.openxmlformats.org/officeDocument/2006/relationships" xmlns:p="http://schemas.openxmlformats.org/presentationml/2006/main">
+  <p:cSld>
+    <p:spTree>
+      <p:nvGrpSpPr>
+        <p:cNvPr id="1" name=""/>
+        <p:cNvGrpSpPr/>
+        <p:nvPr/>
+      </p:nvGrpSpPr>
+      <p:grpSpPr>
+        <a:xfrm>
+          <a:off x="0" y="0"/>
+          <a:ext cx="0" cy="0"/>
+          <a:chOff x="0" y="0"/>
+          <a:chExt cx="0" cy="0"/>
+        </a:xfrm>
+      </p:grpSpPr>
+      <p:sp>
+        <p:nvSpPr>
+          <p:cNvPr id="2" name="Заголовок 1">
+            <a:extLst>
+              <a:ext uri="{FF2B5EF4-FFF2-40B4-BE49-F238E27FC236}">
+                <a16:creationId xmlns:a16="http://schemas.microsoft.com/office/drawing/2014/main" id="{958A03EC-0753-418A-B19B-515B313F80EB}"/>
+              </a:ext>
+            </a:extLst>
+          </p:cNvPr>
+          <p:cNvSpPr>
+            <a:spLocks noGrp="1"/>
+          </p:cNvSpPr>
+          <p:nvPr>
+            <p:ph type="title"/>
+          </p:nvPr>
+        </p:nvSpPr>
+        <p:spPr>
+          <a:xfrm>
+            <a:off x="761740" y="2480603"/>
+            <a:ext cx="8596668" cy="1320800"/>
+          </a:xfrm>
+        </p:spPr>
+        <p:txBody>
+          <a:bodyPr>
+            <a:normAutofit/>
+          </a:bodyPr>
+          <a:lstStyle/>
+          <a:p>
+            <a:r>
+              <a:rPr lang="ru-RU" sz="6000" dirty="0"/>
+              <a:t>Спасибо за внимание</a:t>
+            </a:r>
+          </a:p>
+        </p:txBody>
+      </p:sp>
+    </p:spTree>
+    <p:extLst>
+      <p:ext uri="{BB962C8B-B14F-4D97-AF65-F5344CB8AC3E}">
+        <p14:creationId xmlns:p14="http://schemas.microsoft.com/office/powerpoint/2010/main" val="997155021"/>
       </p:ext>
     </p:extLst>
   </p:cSld>
